--- a/bash/slides/ppt/03 - Bash Scripting.pptx
+++ b/bash/slides/ppt/03 - Bash Scripting.pptx
@@ -53,7 +53,7 @@
     <p:sldId id="463" r:id="rId44"/>
     <p:sldId id="456" r:id="rId45"/>
   </p:sldIdLst>
-  <p:sldSz cx="9144000" cy="6858000" type="screen4x3"/>
+  <p:sldSz cx="12192000" cy="6858000"/>
   <p:notesSz cx="6858000" cy="9144000"/>
   <p:defaultTextStyle>
     <a:defPPr>
@@ -158,7 +158,7 @@
             <a:srgbClr val="A4A3A4"/>
           </p15:clr>
         </p15:guide>
-        <p15:guide id="2" pos="2880" userDrawn="1">
+        <p15:guide id="2" pos="3840" userDrawn="1">
           <p15:clr>
             <a:srgbClr val="A4A3A4"/>
           </p15:clr>
@@ -252,7 +252,7 @@
             <a:fld id="{BAEB7694-8561-4BE2-948D-EDF7A201F8BB}" type="datetimeFigureOut">
               <a:rPr lang="it-IT" smtClean="0"/>
               <a:pPr/>
-              <a:t>01/04/21</a:t>
+              <a:t>07/02/22</a:t>
             </a:fld>
             <a:endParaRPr lang="it-IT"/>
           </a:p>
@@ -270,8 +270,8 @@
         </p:nvSpPr>
         <p:spPr>
           <a:xfrm>
-            <a:off x="1143000" y="685800"/>
-            <a:ext cx="4572000" cy="3429000"/>
+            <a:off x="381000" y="685800"/>
+            <a:ext cx="6096000" cy="3429000"/>
           </a:xfrm>
           <a:prstGeom prst="rect">
             <a:avLst/>
@@ -551,8 +551,8 @@
         </p:nvSpPr>
         <p:spPr>
           <a:xfrm>
-            <a:off x="685800" y="2130427"/>
-            <a:ext cx="7772400" cy="1470025"/>
+            <a:off x="914400" y="2130428"/>
+            <a:ext cx="10363200" cy="1470025"/>
           </a:xfrm>
         </p:spPr>
         <p:txBody>
@@ -579,8 +579,8 @@
         </p:nvSpPr>
         <p:spPr>
           <a:xfrm>
-            <a:off x="1371600" y="3886200"/>
-            <a:ext cx="6400800" cy="1752600"/>
+            <a:off x="1828800" y="3886200"/>
+            <a:ext cx="8534400" cy="1752600"/>
           </a:xfrm>
         </p:spPr>
         <p:txBody>
@@ -698,8 +698,8 @@
         </p:nvSpPr>
         <p:spPr>
           <a:xfrm>
-            <a:off x="3836610" y="6362702"/>
-            <a:ext cx="4850191" cy="365125"/>
+            <a:off x="5115481" y="6362703"/>
+            <a:ext cx="6466921" cy="365125"/>
           </a:xfrm>
           <a:prstGeom prst="rect">
             <a:avLst/>
@@ -726,8 +726,8 @@
         </p:nvCxnSpPr>
         <p:spPr>
           <a:xfrm flipV="1">
-            <a:off x="457200" y="3600450"/>
-            <a:ext cx="8686800" cy="2"/>
+            <a:off x="609600" y="3600450"/>
+            <a:ext cx="11582400" cy="2"/>
           </a:xfrm>
           <a:prstGeom prst="line">
             <a:avLst/>
@@ -880,8 +880,8 @@
         </p:nvSpPr>
         <p:spPr>
           <a:xfrm>
-            <a:off x="3836610" y="6362702"/>
-            <a:ext cx="4850191" cy="365125"/>
+            <a:off x="5115481" y="6362703"/>
+            <a:ext cx="6466921" cy="365125"/>
           </a:xfrm>
           <a:prstGeom prst="rect">
             <a:avLst/>
@@ -908,8 +908,8 @@
         </p:nvCxnSpPr>
         <p:spPr>
           <a:xfrm flipV="1">
-            <a:off x="457200" y="1388917"/>
-            <a:ext cx="8686800" cy="2"/>
+            <a:off x="609600" y="1388917"/>
+            <a:ext cx="11582400" cy="2"/>
           </a:xfrm>
           <a:prstGeom prst="line">
             <a:avLst/>
@@ -987,8 +987,8 @@
         </p:nvSpPr>
         <p:spPr>
           <a:xfrm>
-            <a:off x="6629400" y="274640"/>
-            <a:ext cx="2057400" cy="5851525"/>
+            <a:off x="8839200" y="274641"/>
+            <a:ext cx="2743200" cy="5851525"/>
           </a:xfrm>
         </p:spPr>
         <p:txBody>
@@ -1015,8 +1015,8 @@
         </p:nvSpPr>
         <p:spPr>
           <a:xfrm>
-            <a:off x="457200" y="274640"/>
-            <a:ext cx="6019800" cy="5851525"/>
+            <a:off x="609600" y="274641"/>
+            <a:ext cx="8026400" cy="5851525"/>
           </a:xfrm>
         </p:spPr>
         <p:txBody>
@@ -1072,8 +1072,8 @@
         </p:nvSpPr>
         <p:spPr>
           <a:xfrm>
-            <a:off x="3836610" y="6362702"/>
-            <a:ext cx="4850191" cy="365125"/>
+            <a:off x="5115481" y="6362703"/>
+            <a:ext cx="6466921" cy="365125"/>
           </a:xfrm>
           <a:prstGeom prst="rect">
             <a:avLst/>
@@ -1206,8 +1206,8 @@
         </p:nvCxnSpPr>
         <p:spPr>
           <a:xfrm flipV="1">
-            <a:off x="457200" y="1388917"/>
-            <a:ext cx="8686800" cy="2"/>
+            <a:off x="609600" y="1388917"/>
+            <a:ext cx="11582400" cy="2"/>
           </a:xfrm>
           <a:prstGeom prst="line">
             <a:avLst/>
@@ -1260,8 +1260,8 @@
         </p:nvSpPr>
         <p:spPr>
           <a:xfrm>
-            <a:off x="3836610" y="6362702"/>
-            <a:ext cx="4850191" cy="365125"/>
+            <a:off x="5115481" y="6362703"/>
+            <a:ext cx="6466921" cy="365125"/>
           </a:xfrm>
           <a:prstGeom prst="rect">
             <a:avLst/>
@@ -1323,8 +1323,8 @@
         </p:nvSpPr>
         <p:spPr>
           <a:xfrm>
-            <a:off x="722313" y="4406902"/>
-            <a:ext cx="7772400" cy="1362075"/>
+            <a:off x="963084" y="4406903"/>
+            <a:ext cx="10363200" cy="1362075"/>
           </a:xfrm>
         </p:spPr>
         <p:txBody>
@@ -1355,8 +1355,8 @@
         </p:nvSpPr>
         <p:spPr>
           <a:xfrm>
-            <a:off x="722313" y="2906713"/>
-            <a:ext cx="7772400" cy="1500187"/>
+            <a:off x="963084" y="2906713"/>
+            <a:ext cx="10363200" cy="1500187"/>
           </a:xfrm>
         </p:spPr>
         <p:txBody>
@@ -1474,8 +1474,8 @@
         </p:nvSpPr>
         <p:spPr>
           <a:xfrm>
-            <a:off x="3836610" y="6362702"/>
-            <a:ext cx="4850191" cy="365125"/>
+            <a:off x="5115481" y="6362703"/>
+            <a:ext cx="6466921" cy="365125"/>
           </a:xfrm>
           <a:prstGeom prst="rect">
             <a:avLst/>
@@ -1502,8 +1502,8 @@
         </p:nvCxnSpPr>
         <p:spPr>
           <a:xfrm flipV="1">
-            <a:off x="722314" y="4406900"/>
-            <a:ext cx="8421687" cy="2"/>
+            <a:off x="963086" y="4406900"/>
+            <a:ext cx="11228916" cy="2"/>
           </a:xfrm>
           <a:prstGeom prst="line">
             <a:avLst/>
@@ -1604,8 +1604,8 @@
         </p:nvSpPr>
         <p:spPr>
           <a:xfrm>
-            <a:off x="457200" y="1600202"/>
-            <a:ext cx="4038600" cy="4525963"/>
+            <a:off x="609600" y="1600203"/>
+            <a:ext cx="5384800" cy="4525963"/>
           </a:xfrm>
         </p:spPr>
         <p:txBody>
@@ -1689,8 +1689,8 @@
         </p:nvSpPr>
         <p:spPr>
           <a:xfrm>
-            <a:off x="4648200" y="1600202"/>
-            <a:ext cx="4038600" cy="4525963"/>
+            <a:off x="6197600" y="1600203"/>
+            <a:ext cx="5384800" cy="4525963"/>
           </a:xfrm>
         </p:spPr>
         <p:txBody>
@@ -1774,8 +1774,8 @@
         </p:nvSpPr>
         <p:spPr>
           <a:xfrm>
-            <a:off x="3836610" y="6362702"/>
-            <a:ext cx="4850191" cy="365125"/>
+            <a:off x="5115481" y="6362703"/>
+            <a:ext cx="6466921" cy="365125"/>
           </a:xfrm>
           <a:prstGeom prst="rect">
             <a:avLst/>
@@ -1802,8 +1802,8 @@
         </p:nvCxnSpPr>
         <p:spPr>
           <a:xfrm flipV="1">
-            <a:off x="457200" y="1388917"/>
-            <a:ext cx="8686800" cy="2"/>
+            <a:off x="609600" y="1388917"/>
+            <a:ext cx="11582400" cy="2"/>
           </a:xfrm>
           <a:prstGeom prst="line">
             <a:avLst/>
@@ -1908,8 +1908,8 @@
         </p:nvSpPr>
         <p:spPr>
           <a:xfrm>
-            <a:off x="457200" y="1535113"/>
-            <a:ext cx="4040188" cy="639762"/>
+            <a:off x="609600" y="1535113"/>
+            <a:ext cx="5386917" cy="639762"/>
           </a:xfrm>
         </p:spPr>
         <p:txBody>
@@ -1973,8 +1973,8 @@
         </p:nvSpPr>
         <p:spPr>
           <a:xfrm>
-            <a:off x="457200" y="2174875"/>
-            <a:ext cx="4040188" cy="3951288"/>
+            <a:off x="609600" y="2174875"/>
+            <a:ext cx="5386917" cy="3951288"/>
           </a:xfrm>
         </p:spPr>
         <p:txBody>
@@ -2058,8 +2058,8 @@
         </p:nvSpPr>
         <p:spPr>
           <a:xfrm>
-            <a:off x="4645026" y="1535113"/>
-            <a:ext cx="4041775" cy="639762"/>
+            <a:off x="6193369" y="1535113"/>
+            <a:ext cx="5389033" cy="639762"/>
           </a:xfrm>
         </p:spPr>
         <p:txBody>
@@ -2123,8 +2123,8 @@
         </p:nvSpPr>
         <p:spPr>
           <a:xfrm>
-            <a:off x="4645026" y="2174875"/>
-            <a:ext cx="4041775" cy="3951288"/>
+            <a:off x="6193369" y="2174875"/>
+            <a:ext cx="5389033" cy="3951288"/>
           </a:xfrm>
         </p:spPr>
         <p:txBody>
@@ -2208,8 +2208,8 @@
         </p:nvSpPr>
         <p:spPr>
           <a:xfrm>
-            <a:off x="3836610" y="6362702"/>
-            <a:ext cx="4850191" cy="365125"/>
+            <a:off x="5115481" y="6362703"/>
+            <a:ext cx="6466921" cy="365125"/>
           </a:xfrm>
           <a:prstGeom prst="rect">
             <a:avLst/>
@@ -2236,8 +2236,8 @@
         </p:nvCxnSpPr>
         <p:spPr>
           <a:xfrm flipV="1">
-            <a:off x="457200" y="1388917"/>
-            <a:ext cx="8686800" cy="2"/>
+            <a:off x="609600" y="1388917"/>
+            <a:ext cx="11582400" cy="2"/>
           </a:xfrm>
           <a:prstGeom prst="line">
             <a:avLst/>
@@ -2338,8 +2338,8 @@
         </p:nvSpPr>
         <p:spPr>
           <a:xfrm>
-            <a:off x="3836610" y="6362702"/>
-            <a:ext cx="4850191" cy="365125"/>
+            <a:off x="5115481" y="6362703"/>
+            <a:ext cx="6466921" cy="365125"/>
           </a:xfrm>
           <a:prstGeom prst="rect">
             <a:avLst/>
@@ -2366,8 +2366,8 @@
         </p:nvCxnSpPr>
         <p:spPr>
           <a:xfrm flipV="1">
-            <a:off x="457200" y="1388917"/>
-            <a:ext cx="8686800" cy="2"/>
+            <a:off x="609600" y="1388917"/>
+            <a:ext cx="11582400" cy="2"/>
           </a:xfrm>
           <a:prstGeom prst="line">
             <a:avLst/>
@@ -2445,8 +2445,8 @@
         </p:nvSpPr>
         <p:spPr>
           <a:xfrm>
-            <a:off x="3836610" y="6362702"/>
-            <a:ext cx="4850191" cy="365125"/>
+            <a:off x="5115481" y="6362703"/>
+            <a:ext cx="6466921" cy="365125"/>
           </a:xfrm>
           <a:prstGeom prst="rect">
             <a:avLst/>
@@ -2508,8 +2508,8 @@
         </p:nvSpPr>
         <p:spPr>
           <a:xfrm>
-            <a:off x="457201" y="273050"/>
-            <a:ext cx="3008313" cy="1162050"/>
+            <a:off x="609602" y="273050"/>
+            <a:ext cx="4011084" cy="1162050"/>
           </a:xfrm>
         </p:spPr>
         <p:txBody>
@@ -2540,8 +2540,8 @@
         </p:nvSpPr>
         <p:spPr>
           <a:xfrm>
-            <a:off x="3575050" y="273052"/>
-            <a:ext cx="5111750" cy="5853113"/>
+            <a:off x="4766733" y="273053"/>
+            <a:ext cx="6815667" cy="5853113"/>
           </a:xfrm>
         </p:spPr>
         <p:txBody>
@@ -2625,8 +2625,8 @@
         </p:nvSpPr>
         <p:spPr>
           <a:xfrm>
-            <a:off x="457201" y="1435102"/>
-            <a:ext cx="3008313" cy="4691063"/>
+            <a:off x="609602" y="1435103"/>
+            <a:ext cx="4011084" cy="4691063"/>
           </a:xfrm>
         </p:spPr>
         <p:txBody>
@@ -2690,8 +2690,8 @@
         </p:nvSpPr>
         <p:spPr>
           <a:xfrm>
-            <a:off x="3836610" y="6362702"/>
-            <a:ext cx="4850191" cy="365125"/>
+            <a:off x="5115481" y="6362703"/>
+            <a:ext cx="6466921" cy="365125"/>
           </a:xfrm>
           <a:prstGeom prst="rect">
             <a:avLst/>
@@ -2753,8 +2753,8 @@
         </p:nvSpPr>
         <p:spPr>
           <a:xfrm>
-            <a:off x="1792288" y="4800600"/>
-            <a:ext cx="5486400" cy="566738"/>
+            <a:off x="2389717" y="4800600"/>
+            <a:ext cx="7315200" cy="566738"/>
           </a:xfrm>
         </p:spPr>
         <p:txBody>
@@ -2785,8 +2785,8 @@
         </p:nvSpPr>
         <p:spPr>
           <a:xfrm>
-            <a:off x="1792288" y="612775"/>
-            <a:ext cx="5486400" cy="4114800"/>
+            <a:off x="2389717" y="612775"/>
+            <a:ext cx="7315200" cy="4114800"/>
           </a:xfrm>
         </p:spPr>
         <p:txBody>
@@ -2850,8 +2850,8 @@
         </p:nvSpPr>
         <p:spPr>
           <a:xfrm>
-            <a:off x="1792288" y="5367338"/>
-            <a:ext cx="5486400" cy="804862"/>
+            <a:off x="2389717" y="5367338"/>
+            <a:ext cx="7315200" cy="804862"/>
           </a:xfrm>
         </p:spPr>
         <p:txBody>
@@ -2915,8 +2915,8 @@
         </p:nvSpPr>
         <p:spPr>
           <a:xfrm>
-            <a:off x="3836610" y="6362702"/>
-            <a:ext cx="4850191" cy="365125"/>
+            <a:off x="5115481" y="6362703"/>
+            <a:ext cx="6466921" cy="365125"/>
           </a:xfrm>
           <a:prstGeom prst="rect">
             <a:avLst/>
@@ -2943,8 +2943,8 @@
         </p:nvCxnSpPr>
         <p:spPr>
           <a:xfrm flipV="1">
-            <a:off x="457200" y="4752218"/>
-            <a:ext cx="8686800" cy="2"/>
+            <a:off x="609600" y="4752218"/>
+            <a:ext cx="11582400" cy="2"/>
           </a:xfrm>
           <a:prstGeom prst="line">
             <a:avLst/>
@@ -3027,8 +3027,8 @@
         </p:nvSpPr>
         <p:spPr>
           <a:xfrm>
-            <a:off x="457200" y="274638"/>
-            <a:ext cx="8229600" cy="1143000"/>
+            <a:off x="609600" y="274638"/>
+            <a:ext cx="10972800" cy="1143000"/>
           </a:xfrm>
           <a:prstGeom prst="rect">
             <a:avLst/>
@@ -3060,8 +3060,8 @@
         </p:nvSpPr>
         <p:spPr>
           <a:xfrm>
-            <a:off x="457200" y="1600202"/>
-            <a:ext cx="8229600" cy="4525963"/>
+            <a:off x="609600" y="1600203"/>
+            <a:ext cx="10972800" cy="4525963"/>
           </a:xfrm>
           <a:prstGeom prst="rect">
             <a:avLst/>
@@ -3132,8 +3132,8 @@
         </p:blipFill>
         <p:spPr>
           <a:xfrm>
-            <a:off x="24192" y="5781975"/>
-            <a:ext cx="1667488" cy="1066800"/>
+            <a:off x="32257" y="5781975"/>
+            <a:ext cx="1815272" cy="1066800"/>
           </a:xfrm>
           <a:prstGeom prst="rect">
             <a:avLst/>
@@ -3158,8 +3158,8 @@
         </p:nvSpPr>
         <p:spPr>
           <a:xfrm>
-            <a:off x="3836610" y="6362702"/>
-            <a:ext cx="4850191" cy="365125"/>
+            <a:off x="5115481" y="6362703"/>
+            <a:ext cx="6466921" cy="365125"/>
           </a:xfrm>
           <a:prstGeom prst="rect">
             <a:avLst/>
@@ -3515,38 +3515,34 @@
           </a:bodyPr>
           <a:lstStyle/>
           <a:p>
-            <a:pPr algn="r"/>
-            <a:r>
-              <a:rPr lang="en-US" sz="1350" dirty="0" err="1"/>
+            <a:r>
+              <a:rPr lang="en-US" sz="1600" dirty="0" err="1"/>
               <a:t>Università</a:t>
             </a:r>
             <a:r>
-              <a:rPr lang="en-US" sz="1350" dirty="0"/>
+              <a:rPr lang="en-US" sz="1600" dirty="0"/>
               <a:t> di Modena e Reggio Emilia</a:t>
             </a:r>
           </a:p>
           <a:p>
-            <a:pPr algn="r"/>
-            <a:r>
-              <a:rPr lang="en-US" sz="1350" i="1" dirty="0"/>
+            <a:r>
+              <a:rPr lang="en-US" sz="1600" i="1" dirty="0"/>
               <a:t>Prof. Nicola Bicocchi (</a:t>
             </a:r>
             <a:r>
-              <a:rPr lang="en-US" sz="1350" i="1" dirty="0" err="1"/>
+              <a:rPr lang="en-US" sz="1600" i="1" dirty="0" err="1"/>
               <a:t>nicola.bicocchi@unimore.it</a:t>
             </a:r>
             <a:r>
-              <a:rPr lang="en-US" sz="1350" i="1" dirty="0"/>
+              <a:rPr lang="en-US" sz="1600" i="1" dirty="0"/>
               <a:t>)</a:t>
             </a:r>
           </a:p>
           <a:p>
-            <a:pPr algn="r"/>
-            <a:endParaRPr lang="en-US" sz="1350" dirty="0"/>
-          </a:p>
-          <a:p>
-            <a:pPr algn="r"/>
-            <a:endParaRPr lang="it-IT" sz="1350" dirty="0"/>
+            <a:endParaRPr lang="en-US" sz="1600" dirty="0"/>
+          </a:p>
+          <a:p>
+            <a:endParaRPr lang="it-IT" sz="1600" dirty="0"/>
           </a:p>
         </p:txBody>
       </p:sp>
@@ -4927,7 +4923,7 @@
         <p:spPr/>
         <p:txBody>
           <a:bodyPr>
-            <a:normAutofit fontScale="92500" lnSpcReduction="20000"/>
+            <a:normAutofit fontScale="92500"/>
           </a:bodyPr>
           <a:lstStyle/>
           <a:p>
@@ -5592,13 +5588,13 @@
         </p:nvSpPr>
         <p:spPr>
           <a:xfrm>
-            <a:off x="4648200" y="1600202"/>
-            <a:ext cx="4038600" cy="4525963"/>
+            <a:off x="5447928" y="1600203"/>
+            <a:ext cx="6552728" cy="4525963"/>
           </a:xfrm>
         </p:spPr>
         <p:txBody>
           <a:bodyPr>
-            <a:normAutofit fontScale="77500" lnSpcReduction="20000"/>
+            <a:normAutofit fontScale="92500" lnSpcReduction="10000"/>
           </a:bodyPr>
           <a:lstStyle/>
           <a:p>
@@ -5673,21 +5669,7 @@
                 <a:latin typeface="Consolas" panose="020B0609020204030204" pitchFamily="49" charset="0"/>
                 <a:cs typeface="Consolas" panose="020B0609020204030204" pitchFamily="49" charset="0"/>
               </a:rPr>
-              <a:t>	echo “/etc/</a:t>
-            </a:r>
-            <a:r>
-              <a:rPr lang="en-GB" dirty="0" err="1">
-                <a:latin typeface="Consolas" panose="020B0609020204030204" pitchFamily="49" charset="0"/>
-                <a:cs typeface="Consolas" panose="020B0609020204030204" pitchFamily="49" charset="0"/>
-              </a:rPr>
-              <a:t>passwd</a:t>
-            </a:r>
-            <a:r>
-              <a:rPr lang="en-GB" dirty="0">
-                <a:latin typeface="Consolas" panose="020B0609020204030204" pitchFamily="49" charset="0"/>
-                <a:cs typeface="Consolas" panose="020B0609020204030204" pitchFamily="49" charset="0"/>
-              </a:rPr>
-              <a:t> </a:t>
+              <a:t>	echo “/etc/passwd file </a:t>
             </a:r>
             <a:r>
               <a:rPr lang="en-GB" dirty="0" err="1">
@@ -6974,7 +6956,7 @@
         </p:nvSpPr>
         <p:spPr>
           <a:xfrm>
-            <a:off x="4648200" y="1600202"/>
+            <a:off x="6172200" y="1600203"/>
             <a:ext cx="4038600" cy="4525963"/>
           </a:xfrm>
         </p:spPr>
@@ -8902,11 +8884,21 @@
         <p:spPr/>
         <p:txBody>
           <a:bodyPr>
-            <a:normAutofit fontScale="92500" lnSpcReduction="10000"/>
+            <a:normAutofit fontScale="92500"/>
           </a:bodyPr>
           <a:lstStyle/>
           <a:p>
             <a:r>
+              <a:rPr lang="en-GB" altLang="it-IT" dirty="0">
+                <a:solidFill>
+                  <a:schemeClr val="accent6">
+                    <a:lumMod val="75000"/>
+                  </a:schemeClr>
+                </a:solidFill>
+              </a:rPr>
+              <a:t>La prima </a:t>
+            </a:r>
+            <a:r>
               <a:rPr lang="en-GB" altLang="it-IT" dirty="0" err="1">
                 <a:solidFill>
                   <a:schemeClr val="accent6">
@@ -8914,7 +8906,7 @@
                   </a:schemeClr>
                 </a:solidFill>
               </a:rPr>
-              <a:t>Editare</a:t>
+              <a:t>linea</a:t>
             </a:r>
             <a:r>
               <a:rPr lang="en-GB" altLang="it-IT" dirty="0">
@@ -8924,7 +8916,7 @@
                   </a:schemeClr>
                 </a:solidFill>
               </a:rPr>
-              <a:t> lo script. La prima </a:t>
+              <a:t> di </a:t>
             </a:r>
             <a:r>
               <a:rPr lang="en-GB" altLang="it-IT" dirty="0" err="1">
@@ -8934,7 +8926,7 @@
                   </a:schemeClr>
                 </a:solidFill>
               </a:rPr>
-              <a:t>linea</a:t>
+              <a:t>ogni</a:t>
             </a:r>
             <a:r>
               <a:rPr lang="en-GB" altLang="it-IT" dirty="0">
@@ -8944,7 +8936,7 @@
                   </a:schemeClr>
                 </a:solidFill>
               </a:rPr>
-              <a:t> (shebang) </a:t>
+              <a:t> script (shebang) </a:t>
             </a:r>
             <a:r>
               <a:rPr lang="en-GB" altLang="it-IT" dirty="0" err="1">
@@ -9328,56 +9320,56 @@
               <a:buNone/>
             </a:pPr>
             <a:r>
-              <a:rPr lang="en-GB" altLang="it-IT" sz="2400" dirty="0">
+              <a:rPr lang="en-GB" altLang="it-IT" dirty="0">
                 <a:latin typeface="Consolas" panose="020B0609020204030204" pitchFamily="49" charset="0"/>
                 <a:cs typeface="Consolas" panose="020B0609020204030204" pitchFamily="49" charset="0"/>
               </a:rPr>
               <a:t>$ </a:t>
             </a:r>
             <a:r>
-              <a:rPr lang="en-GB" altLang="it-IT" sz="2400" dirty="0" err="1">
+              <a:rPr lang="en-GB" altLang="it-IT" dirty="0" err="1">
                 <a:latin typeface="Consolas" panose="020B0609020204030204" pitchFamily="49" charset="0"/>
                 <a:cs typeface="Consolas" panose="020B0609020204030204" pitchFamily="49" charset="0"/>
               </a:rPr>
               <a:t>chmod</a:t>
             </a:r>
             <a:r>
-              <a:rPr lang="en-GB" altLang="it-IT" sz="2400" dirty="0">
+              <a:rPr lang="en-GB" altLang="it-IT" dirty="0">
                 <a:latin typeface="Consolas" panose="020B0609020204030204" pitchFamily="49" charset="0"/>
                 <a:cs typeface="Consolas" panose="020B0609020204030204" pitchFamily="49" charset="0"/>
               </a:rPr>
               <a:t> </a:t>
             </a:r>
             <a:r>
-              <a:rPr lang="en-GB" altLang="it-IT" sz="2400" dirty="0" err="1">
+              <a:rPr lang="en-GB" altLang="it-IT" dirty="0" err="1">
                 <a:latin typeface="Consolas" panose="020B0609020204030204" pitchFamily="49" charset="0"/>
                 <a:cs typeface="Consolas" panose="020B0609020204030204" pitchFamily="49" charset="0"/>
               </a:rPr>
               <a:t>u+x</a:t>
             </a:r>
             <a:r>
-              <a:rPr lang="en-GB" altLang="it-IT" sz="2400" dirty="0">
+              <a:rPr lang="en-GB" altLang="it-IT" dirty="0">
                 <a:latin typeface="Consolas" panose="020B0609020204030204" pitchFamily="49" charset="0"/>
                 <a:cs typeface="Consolas" panose="020B0609020204030204" pitchFamily="49" charset="0"/>
               </a:rPr>
               <a:t> </a:t>
             </a:r>
             <a:r>
-              <a:rPr lang="en-GB" altLang="it-IT" sz="2400" dirty="0" err="1">
+              <a:rPr lang="en-GB" altLang="it-IT" dirty="0" err="1">
                 <a:latin typeface="Consolas" panose="020B0609020204030204" pitchFamily="49" charset="0"/>
                 <a:cs typeface="Consolas" panose="020B0609020204030204" pitchFamily="49" charset="0"/>
               </a:rPr>
               <a:t>script.sh</a:t>
             </a:r>
             <a:r>
-              <a:rPr lang="en-GB" altLang="it-IT" sz="2400" dirty="0">
+              <a:rPr lang="en-GB" altLang="it-IT" dirty="0">
                 <a:latin typeface="Consolas" panose="020B0609020204030204" pitchFamily="49" charset="0"/>
                 <a:cs typeface="Consolas" panose="020B0609020204030204" pitchFamily="49" charset="0"/>
               </a:rPr>
               <a:t> # </a:t>
             </a:r>
             <a:r>
-              <a:rPr lang="en-GB" altLang="it-IT" sz="2400" dirty="0" err="1">
+              <a:rPr lang="en-GB" altLang="it-IT" dirty="0" err="1">
                 <a:latin typeface="Consolas" panose="020B0609020204030204" pitchFamily="49" charset="0"/>
                 <a:cs typeface="Consolas" panose="020B0609020204030204" pitchFamily="49" charset="0"/>
               </a:rPr>
@@ -9393,55 +9385,34 @@
               <a:buNone/>
             </a:pPr>
             <a:r>
-              <a:rPr lang="en-GB" altLang="it-IT" sz="2400" dirty="0">
+              <a:rPr lang="en-GB" altLang="it-IT" dirty="0">
                 <a:latin typeface="Consolas" panose="020B0609020204030204" pitchFamily="49" charset="0"/>
                 <a:cs typeface="Consolas" panose="020B0609020204030204" pitchFamily="49" charset="0"/>
               </a:rPr>
               <a:t>$ </a:t>
             </a:r>
             <a:r>
-              <a:rPr lang="en-GB" altLang="it-IT" sz="2400" dirty="0" err="1">
+              <a:rPr lang="en-GB" altLang="it-IT" dirty="0" err="1">
                 <a:latin typeface="Consolas" panose="020B0609020204030204" pitchFamily="49" charset="0"/>
                 <a:cs typeface="Consolas" panose="020B0609020204030204" pitchFamily="49" charset="0"/>
               </a:rPr>
               <a:t>chmod</a:t>
             </a:r>
             <a:r>
-              <a:rPr lang="en-GB" altLang="it-IT" sz="2400" dirty="0">
-                <a:latin typeface="Consolas" panose="020B0609020204030204" pitchFamily="49" charset="0"/>
-                <a:cs typeface="Consolas" panose="020B0609020204030204" pitchFamily="49" charset="0"/>
-              </a:rPr>
-              <a:t> </a:t>
-            </a:r>
-            <a:r>
               <a:rPr lang="en-GB" altLang="it-IT" dirty="0">
                 <a:latin typeface="Consolas" panose="020B0609020204030204" pitchFamily="49" charset="0"/>
                 <a:cs typeface="Consolas" panose="020B0609020204030204" pitchFamily="49" charset="0"/>
               </a:rPr>
-              <a:t>755</a:t>
-            </a:r>
-            <a:r>
-              <a:rPr lang="en-GB" altLang="it-IT" sz="2400" dirty="0">
-                <a:latin typeface="Consolas" panose="020B0609020204030204" pitchFamily="49" charset="0"/>
-                <a:cs typeface="Consolas" panose="020B0609020204030204" pitchFamily="49" charset="0"/>
-              </a:rPr>
-              <a:t> </a:t>
+              <a:t> 755 </a:t>
             </a:r>
             <a:r>
               <a:rPr lang="en-GB" altLang="it-IT" dirty="0" err="1">
                 <a:latin typeface="Consolas" panose="020B0609020204030204" pitchFamily="49" charset="0"/>
                 <a:cs typeface="Consolas" panose="020B0609020204030204" pitchFamily="49" charset="0"/>
               </a:rPr>
-              <a:t>script</a:t>
-            </a:r>
-            <a:r>
-              <a:rPr lang="en-GB" altLang="it-IT" sz="2400" dirty="0" err="1">
-                <a:latin typeface="Consolas" panose="020B0609020204030204" pitchFamily="49" charset="0"/>
-                <a:cs typeface="Consolas" panose="020B0609020204030204" pitchFamily="49" charset="0"/>
-              </a:rPr>
-              <a:t>.sh</a:t>
-            </a:r>
-            <a:endParaRPr lang="en-GB" altLang="it-IT" sz="2400" dirty="0">
+              <a:t>script.sh</a:t>
+            </a:r>
+            <a:endParaRPr lang="en-GB" altLang="it-IT" dirty="0">
               <a:latin typeface="Consolas" panose="020B0609020204030204" pitchFamily="49" charset="0"/>
               <a:cs typeface="Consolas" panose="020B0609020204030204" pitchFamily="49" charset="0"/>
             </a:endParaRPr>
@@ -9476,20 +9447,20 @@
               <a:buNone/>
             </a:pPr>
             <a:r>
-              <a:rPr lang="en-GB" altLang="it-IT" sz="2400" dirty="0">
+              <a:rPr lang="en-GB" altLang="it-IT" dirty="0">
                 <a:latin typeface="Consolas" panose="020B0609020204030204" pitchFamily="49" charset="0"/>
                 <a:cs typeface="Consolas" panose="020B0609020204030204" pitchFamily="49" charset="0"/>
               </a:rPr>
               <a:t>$ ./</a:t>
             </a:r>
             <a:r>
-              <a:rPr lang="en-GB" altLang="it-IT" sz="2400" dirty="0" err="1">
+              <a:rPr lang="en-GB" altLang="it-IT" dirty="0" err="1">
                 <a:latin typeface="Consolas" panose="020B0609020204030204" pitchFamily="49" charset="0"/>
                 <a:cs typeface="Consolas" panose="020B0609020204030204" pitchFamily="49" charset="0"/>
               </a:rPr>
               <a:t>script.sh</a:t>
             </a:r>
-            <a:endParaRPr lang="en-GB" altLang="it-IT" sz="2400" dirty="0">
+            <a:endParaRPr lang="en-GB" altLang="it-IT" dirty="0">
               <a:latin typeface="Consolas" panose="020B0609020204030204" pitchFamily="49" charset="0"/>
               <a:cs typeface="Consolas" panose="020B0609020204030204" pitchFamily="49" charset="0"/>
             </a:endParaRPr>
@@ -9606,7 +9577,7 @@
         <p:spPr/>
         <p:txBody>
           <a:bodyPr>
-            <a:normAutofit fontScale="92500"/>
+            <a:normAutofit/>
           </a:bodyPr>
           <a:lstStyle/>
           <a:p>
@@ -10917,7 +10888,7 @@
         </p:nvSpPr>
         <p:spPr>
           <a:xfrm>
-            <a:off x="4716016" y="1600202"/>
+            <a:off x="6240016" y="1600203"/>
             <a:ext cx="3970784" cy="4525963"/>
           </a:xfrm>
         </p:spPr>
@@ -14662,7 +14633,7 @@
         <p:spPr/>
         <p:txBody>
           <a:bodyPr>
-            <a:normAutofit fontScale="70000" lnSpcReduction="20000"/>
+            <a:normAutofit fontScale="77500" lnSpcReduction="20000"/>
           </a:bodyPr>
           <a:lstStyle/>
           <a:p>
@@ -17218,7 +17189,7 @@
         <p:spPr/>
         <p:txBody>
           <a:bodyPr>
-            <a:normAutofit fontScale="70000" lnSpcReduction="20000"/>
+            <a:normAutofit fontScale="77500" lnSpcReduction="20000"/>
           </a:bodyPr>
           <a:lstStyle/>
           <a:p>
@@ -17950,7 +17921,7 @@
         <p:spPr/>
         <p:txBody>
           <a:bodyPr>
-            <a:normAutofit fontScale="85000" lnSpcReduction="20000"/>
+            <a:normAutofit fontScale="92500" lnSpcReduction="10000"/>
           </a:bodyPr>
           <a:lstStyle/>
           <a:p>
@@ -18333,7 +18304,7 @@
         <p:spPr/>
         <p:txBody>
           <a:bodyPr>
-            <a:normAutofit fontScale="85000" lnSpcReduction="20000"/>
+            <a:normAutofit fontScale="92500" lnSpcReduction="10000"/>
           </a:bodyPr>
           <a:lstStyle/>
           <a:p>
@@ -19503,7 +19474,7 @@
         <p:spPr/>
         <p:txBody>
           <a:bodyPr>
-            <a:normAutofit fontScale="47500" lnSpcReduction="20000"/>
+            <a:normAutofit fontScale="55000" lnSpcReduction="20000"/>
           </a:bodyPr>
           <a:lstStyle/>
           <a:p>
@@ -19797,7 +19768,7 @@
         </p:nvSpPr>
         <p:spPr>
           <a:xfrm>
-            <a:off x="4648200" y="1600202"/>
+            <a:off x="6172200" y="1600203"/>
             <a:ext cx="4038600" cy="5127625"/>
           </a:xfrm>
         </p:spPr>
@@ -20445,7 +20416,7 @@
         <p:spPr/>
         <p:txBody>
           <a:bodyPr>
-            <a:normAutofit fontScale="92500" lnSpcReduction="20000"/>
+            <a:normAutofit lnSpcReduction="10000"/>
           </a:bodyPr>
           <a:lstStyle/>
           <a:p>
@@ -21782,7 +21753,7 @@
         <p:spPr/>
         <p:txBody>
           <a:bodyPr>
-            <a:normAutofit fontScale="92500"/>
+            <a:normAutofit lnSpcReduction="10000"/>
           </a:bodyPr>
           <a:lstStyle/>
           <a:p>
@@ -22501,7 +22472,7 @@
         <p:spPr/>
         <p:txBody>
           <a:bodyPr>
-            <a:normAutofit fontScale="92500" lnSpcReduction="10000"/>
+            <a:normAutofit/>
           </a:bodyPr>
           <a:lstStyle/>
           <a:p>
@@ -23097,7 +23068,7 @@
         <p:spPr/>
         <p:txBody>
           <a:bodyPr>
-            <a:normAutofit fontScale="77500" lnSpcReduction="20000"/>
+            <a:normAutofit fontScale="85000" lnSpcReduction="20000"/>
           </a:bodyPr>
           <a:lstStyle/>
           <a:p>
@@ -23586,6 +23557,272 @@
           <a:lstStyle/>
           <a:p>
             <a:r>
+              <a:rPr lang="it-IT" dirty="0" err="1"/>
+              <a:t>Xonsh</a:t>
+            </a:r>
+            <a:r>
+              <a:rPr lang="it-IT" dirty="0"/>
+              <a:t> </a:t>
+            </a:r>
+            <a:r>
+              <a:rPr lang="it-IT" dirty="0" err="1"/>
+              <a:t>is</a:t>
+            </a:r>
+            <a:r>
+              <a:rPr lang="it-IT" dirty="0"/>
+              <a:t> a </a:t>
+            </a:r>
+            <a:r>
+              <a:rPr lang="it-IT" dirty="0" err="1"/>
+              <a:t>Python-powered</a:t>
+            </a:r>
+            <a:r>
+              <a:rPr lang="it-IT" dirty="0"/>
+              <a:t>, cross-</a:t>
+            </a:r>
+            <a:r>
+              <a:rPr lang="it-IT" dirty="0" err="1"/>
+              <a:t>platform</a:t>
+            </a:r>
+            <a:r>
+              <a:rPr lang="it-IT" dirty="0"/>
+              <a:t>, Unix-</a:t>
+            </a:r>
+            <a:r>
+              <a:rPr lang="it-IT" dirty="0" err="1"/>
+              <a:t>gazing</a:t>
+            </a:r>
+            <a:r>
+              <a:rPr lang="it-IT" dirty="0"/>
+              <a:t> </a:t>
+            </a:r>
+            <a:r>
+              <a:rPr lang="it-IT" dirty="0" err="1"/>
+              <a:t>shell</a:t>
+            </a:r>
+            <a:r>
+              <a:rPr lang="it-IT" dirty="0"/>
+              <a:t> </a:t>
+            </a:r>
+            <a:r>
+              <a:rPr lang="it-IT" dirty="0" err="1"/>
+              <a:t>language</a:t>
+            </a:r>
+            <a:r>
+              <a:rPr lang="it-IT" dirty="0"/>
+              <a:t> and </a:t>
+            </a:r>
+            <a:r>
+              <a:rPr lang="it-IT" dirty="0" err="1"/>
+              <a:t>command</a:t>
+            </a:r>
+            <a:r>
+              <a:rPr lang="it-IT" dirty="0"/>
+              <a:t> </a:t>
+            </a:r>
+            <a:r>
+              <a:rPr lang="it-IT" dirty="0" err="1"/>
+              <a:t>prompt</a:t>
+            </a:r>
+            <a:r>
+              <a:rPr lang="it-IT" dirty="0"/>
+              <a:t>. The </a:t>
+            </a:r>
+            <a:r>
+              <a:rPr lang="it-IT" dirty="0" err="1"/>
+              <a:t>language</a:t>
+            </a:r>
+            <a:r>
+              <a:rPr lang="it-IT" dirty="0"/>
+              <a:t> </a:t>
+            </a:r>
+            <a:r>
+              <a:rPr lang="it-IT" dirty="0" err="1"/>
+              <a:t>is</a:t>
+            </a:r>
+            <a:r>
+              <a:rPr lang="it-IT" dirty="0"/>
+              <a:t> a </a:t>
+            </a:r>
+            <a:r>
+              <a:rPr lang="it-IT" dirty="0" err="1"/>
+              <a:t>superset</a:t>
+            </a:r>
+            <a:r>
+              <a:rPr lang="it-IT" dirty="0"/>
+              <a:t> of </a:t>
+            </a:r>
+            <a:r>
+              <a:rPr lang="it-IT" dirty="0" err="1"/>
+              <a:t>Python</a:t>
+            </a:r>
+            <a:r>
+              <a:rPr lang="it-IT" dirty="0"/>
+              <a:t> 3.5+ with </a:t>
+            </a:r>
+            <a:r>
+              <a:rPr lang="it-IT" dirty="0" err="1"/>
+              <a:t>additional</a:t>
+            </a:r>
+            <a:r>
+              <a:rPr lang="it-IT" dirty="0"/>
+              <a:t> </a:t>
+            </a:r>
+            <a:r>
+              <a:rPr lang="it-IT" dirty="0" err="1"/>
+              <a:t>shell</a:t>
+            </a:r>
+            <a:r>
+              <a:rPr lang="it-IT" dirty="0"/>
+              <a:t> </a:t>
+            </a:r>
+            <a:r>
+              <a:rPr lang="it-IT" dirty="0" err="1"/>
+              <a:t>primitives</a:t>
+            </a:r>
+            <a:r>
+              <a:rPr lang="it-IT" dirty="0"/>
+              <a:t> </a:t>
+            </a:r>
+            <a:r>
+              <a:rPr lang="it-IT" dirty="0" err="1"/>
+              <a:t>that</a:t>
+            </a:r>
+            <a:r>
+              <a:rPr lang="it-IT" dirty="0"/>
+              <a:t> </a:t>
+            </a:r>
+            <a:r>
+              <a:rPr lang="it-IT" dirty="0" err="1"/>
+              <a:t>you</a:t>
+            </a:r>
+            <a:r>
+              <a:rPr lang="it-IT" dirty="0"/>
+              <a:t> are </a:t>
+            </a:r>
+            <a:r>
+              <a:rPr lang="it-IT" dirty="0" err="1"/>
+              <a:t>used</a:t>
+            </a:r>
+            <a:r>
+              <a:rPr lang="it-IT" dirty="0"/>
+              <a:t> to from </a:t>
+            </a:r>
+            <a:r>
+              <a:rPr lang="it-IT" dirty="0" err="1"/>
+              <a:t>Bash</a:t>
+            </a:r>
+            <a:r>
+              <a:rPr lang="it-IT" dirty="0"/>
+              <a:t> and </a:t>
+            </a:r>
+            <a:r>
+              <a:rPr lang="it-IT" dirty="0" err="1"/>
+              <a:t>IPython</a:t>
+            </a:r>
+            <a:r>
+              <a:rPr lang="it-IT" dirty="0"/>
+              <a:t>. </a:t>
+            </a:r>
+            <a:r>
+              <a:rPr lang="it-IT" dirty="0" err="1"/>
+              <a:t>It</a:t>
+            </a:r>
+            <a:r>
+              <a:rPr lang="it-IT" dirty="0"/>
+              <a:t> </a:t>
+            </a:r>
+            <a:r>
+              <a:rPr lang="it-IT" dirty="0" err="1"/>
+              <a:t>works</a:t>
+            </a:r>
+            <a:r>
+              <a:rPr lang="it-IT" dirty="0"/>
+              <a:t> on </a:t>
+            </a:r>
+            <a:r>
+              <a:rPr lang="it-IT" dirty="0" err="1"/>
+              <a:t>all</a:t>
+            </a:r>
+            <a:r>
+              <a:rPr lang="it-IT" dirty="0"/>
+              <a:t> major </a:t>
+            </a:r>
+            <a:r>
+              <a:rPr lang="it-IT" dirty="0" err="1"/>
+              <a:t>systems</a:t>
+            </a:r>
+            <a:r>
+              <a:rPr lang="it-IT" dirty="0"/>
+              <a:t> </a:t>
+            </a:r>
+            <a:r>
+              <a:rPr lang="it-IT" dirty="0" err="1"/>
+              <a:t>including</a:t>
+            </a:r>
+            <a:r>
+              <a:rPr lang="it-IT" dirty="0"/>
+              <a:t> Linux, Mac OSX, and Windows. </a:t>
+            </a:r>
+            <a:r>
+              <a:rPr lang="it-IT" dirty="0" err="1"/>
+              <a:t>Xonsh</a:t>
+            </a:r>
+            <a:r>
+              <a:rPr lang="it-IT" dirty="0"/>
+              <a:t> </a:t>
+            </a:r>
+            <a:r>
+              <a:rPr lang="it-IT" dirty="0" err="1"/>
+              <a:t>is</a:t>
+            </a:r>
+            <a:r>
+              <a:rPr lang="it-IT" dirty="0"/>
+              <a:t> </a:t>
+            </a:r>
+            <a:r>
+              <a:rPr lang="it-IT" dirty="0" err="1"/>
+              <a:t>meant</a:t>
+            </a:r>
+            <a:r>
+              <a:rPr lang="it-IT" dirty="0"/>
+              <a:t> for the </a:t>
+            </a:r>
+            <a:r>
+              <a:rPr lang="it-IT" dirty="0" err="1"/>
+              <a:t>daily</a:t>
+            </a:r>
+            <a:r>
+              <a:rPr lang="it-IT" dirty="0"/>
+              <a:t> use of </a:t>
+            </a:r>
+            <a:r>
+              <a:rPr lang="it-IT" dirty="0" err="1"/>
+              <a:t>experts</a:t>
+            </a:r>
+            <a:r>
+              <a:rPr lang="it-IT" dirty="0"/>
+              <a:t> and </a:t>
+            </a:r>
+            <a:r>
+              <a:rPr lang="it-IT" dirty="0" err="1"/>
+              <a:t>novices</a:t>
+            </a:r>
+            <a:r>
+              <a:rPr lang="it-IT" dirty="0"/>
+              <a:t> </a:t>
+            </a:r>
+            <a:r>
+              <a:rPr lang="it-IT" dirty="0" err="1"/>
+              <a:t>alike</a:t>
+            </a:r>
+            <a:r>
+              <a:rPr lang="it-IT" dirty="0"/>
+              <a:t>.</a:t>
+            </a:r>
+          </a:p>
+          <a:p>
+            <a:r>
               <a:rPr lang="it-IT" dirty="0">
                 <a:hlinkClick r:id="rId2"/>
               </a:rPr>
@@ -23594,273 +23831,6 @@
             <a:endParaRPr lang="it-IT" dirty="0"/>
           </a:p>
           <a:p>
-            <a:endParaRPr lang="it-IT" dirty="0"/>
-          </a:p>
-          <a:p>
-            <a:r>
-              <a:rPr lang="it-IT" dirty="0" err="1"/>
-              <a:t>Xonsh</a:t>
-            </a:r>
-            <a:r>
-              <a:rPr lang="it-IT" dirty="0"/>
-              <a:t> </a:t>
-            </a:r>
-            <a:r>
-              <a:rPr lang="it-IT" dirty="0" err="1"/>
-              <a:t>is</a:t>
-            </a:r>
-            <a:r>
-              <a:rPr lang="it-IT" dirty="0"/>
-              <a:t> a </a:t>
-            </a:r>
-            <a:r>
-              <a:rPr lang="it-IT" dirty="0" err="1"/>
-              <a:t>Python-powered</a:t>
-            </a:r>
-            <a:r>
-              <a:rPr lang="it-IT" dirty="0"/>
-              <a:t>, cross-</a:t>
-            </a:r>
-            <a:r>
-              <a:rPr lang="it-IT" dirty="0" err="1"/>
-              <a:t>platform</a:t>
-            </a:r>
-            <a:r>
-              <a:rPr lang="it-IT" dirty="0"/>
-              <a:t>, Unix-</a:t>
-            </a:r>
-            <a:r>
-              <a:rPr lang="it-IT" dirty="0" err="1"/>
-              <a:t>gazing</a:t>
-            </a:r>
-            <a:r>
-              <a:rPr lang="it-IT" dirty="0"/>
-              <a:t> </a:t>
-            </a:r>
-            <a:r>
-              <a:rPr lang="it-IT" dirty="0" err="1"/>
-              <a:t>shell</a:t>
-            </a:r>
-            <a:r>
-              <a:rPr lang="it-IT" dirty="0"/>
-              <a:t> </a:t>
-            </a:r>
-            <a:r>
-              <a:rPr lang="it-IT" dirty="0" err="1"/>
-              <a:t>language</a:t>
-            </a:r>
-            <a:r>
-              <a:rPr lang="it-IT" dirty="0"/>
-              <a:t> and </a:t>
-            </a:r>
-            <a:r>
-              <a:rPr lang="it-IT" dirty="0" err="1"/>
-              <a:t>command</a:t>
-            </a:r>
-            <a:r>
-              <a:rPr lang="it-IT" dirty="0"/>
-              <a:t> </a:t>
-            </a:r>
-            <a:r>
-              <a:rPr lang="it-IT" dirty="0" err="1"/>
-              <a:t>prompt</a:t>
-            </a:r>
-            <a:r>
-              <a:rPr lang="it-IT" dirty="0"/>
-              <a:t>. The </a:t>
-            </a:r>
-            <a:r>
-              <a:rPr lang="it-IT" dirty="0" err="1"/>
-              <a:t>language</a:t>
-            </a:r>
-            <a:r>
-              <a:rPr lang="it-IT" dirty="0"/>
-              <a:t> </a:t>
-            </a:r>
-            <a:r>
-              <a:rPr lang="it-IT" dirty="0" err="1"/>
-              <a:t>is</a:t>
-            </a:r>
-            <a:r>
-              <a:rPr lang="it-IT" dirty="0"/>
-              <a:t> a </a:t>
-            </a:r>
-            <a:r>
-              <a:rPr lang="it-IT" dirty="0" err="1"/>
-              <a:t>superset</a:t>
-            </a:r>
-            <a:r>
-              <a:rPr lang="it-IT" dirty="0"/>
-              <a:t> of </a:t>
-            </a:r>
-            <a:r>
-              <a:rPr lang="it-IT" dirty="0" err="1"/>
-              <a:t>Python</a:t>
-            </a:r>
-            <a:r>
-              <a:rPr lang="it-IT" dirty="0"/>
-              <a:t> 3.5+ with </a:t>
-            </a:r>
-            <a:r>
-              <a:rPr lang="it-IT" dirty="0" err="1"/>
-              <a:t>additional</a:t>
-            </a:r>
-            <a:r>
-              <a:rPr lang="it-IT" dirty="0"/>
-              <a:t> </a:t>
-            </a:r>
-            <a:r>
-              <a:rPr lang="it-IT" dirty="0" err="1"/>
-              <a:t>shell</a:t>
-            </a:r>
-            <a:r>
-              <a:rPr lang="it-IT" dirty="0"/>
-              <a:t> </a:t>
-            </a:r>
-            <a:r>
-              <a:rPr lang="it-IT" dirty="0" err="1"/>
-              <a:t>primitives</a:t>
-            </a:r>
-            <a:r>
-              <a:rPr lang="it-IT" dirty="0"/>
-              <a:t> </a:t>
-            </a:r>
-            <a:r>
-              <a:rPr lang="it-IT" dirty="0" err="1"/>
-              <a:t>that</a:t>
-            </a:r>
-            <a:r>
-              <a:rPr lang="it-IT" dirty="0"/>
-              <a:t> </a:t>
-            </a:r>
-            <a:r>
-              <a:rPr lang="it-IT" dirty="0" err="1"/>
-              <a:t>you</a:t>
-            </a:r>
-            <a:r>
-              <a:rPr lang="it-IT" dirty="0"/>
-              <a:t> are </a:t>
-            </a:r>
-            <a:r>
-              <a:rPr lang="it-IT" dirty="0" err="1"/>
-              <a:t>used</a:t>
-            </a:r>
-            <a:r>
-              <a:rPr lang="it-IT" dirty="0"/>
-              <a:t> to from </a:t>
-            </a:r>
-            <a:r>
-              <a:rPr lang="it-IT" dirty="0" err="1"/>
-              <a:t>Bash</a:t>
-            </a:r>
-            <a:r>
-              <a:rPr lang="it-IT" dirty="0"/>
-              <a:t> and </a:t>
-            </a:r>
-            <a:r>
-              <a:rPr lang="it-IT" dirty="0" err="1"/>
-              <a:t>IPython</a:t>
-            </a:r>
-            <a:r>
-              <a:rPr lang="it-IT" dirty="0"/>
-              <a:t>. </a:t>
-            </a:r>
-            <a:r>
-              <a:rPr lang="it-IT" dirty="0" err="1"/>
-              <a:t>It</a:t>
-            </a:r>
-            <a:r>
-              <a:rPr lang="it-IT" dirty="0"/>
-              <a:t> </a:t>
-            </a:r>
-            <a:r>
-              <a:rPr lang="it-IT" dirty="0" err="1"/>
-              <a:t>works</a:t>
-            </a:r>
-            <a:r>
-              <a:rPr lang="it-IT" dirty="0"/>
-              <a:t> on </a:t>
-            </a:r>
-            <a:r>
-              <a:rPr lang="it-IT" dirty="0" err="1"/>
-              <a:t>all</a:t>
-            </a:r>
-            <a:r>
-              <a:rPr lang="it-IT" dirty="0"/>
-              <a:t> major </a:t>
-            </a:r>
-            <a:r>
-              <a:rPr lang="it-IT" dirty="0" err="1"/>
-              <a:t>systems</a:t>
-            </a:r>
-            <a:r>
-              <a:rPr lang="it-IT" dirty="0"/>
-              <a:t> </a:t>
-            </a:r>
-            <a:r>
-              <a:rPr lang="it-IT" dirty="0" err="1"/>
-              <a:t>including</a:t>
-            </a:r>
-            <a:r>
-              <a:rPr lang="it-IT" dirty="0"/>
-              <a:t> Linux, Mac OSX, and Windows. </a:t>
-            </a:r>
-            <a:r>
-              <a:rPr lang="it-IT" dirty="0" err="1"/>
-              <a:t>Xonsh</a:t>
-            </a:r>
-            <a:r>
-              <a:rPr lang="it-IT" dirty="0"/>
-              <a:t> </a:t>
-            </a:r>
-            <a:r>
-              <a:rPr lang="it-IT" dirty="0" err="1"/>
-              <a:t>is</a:t>
-            </a:r>
-            <a:r>
-              <a:rPr lang="it-IT" dirty="0"/>
-              <a:t> </a:t>
-            </a:r>
-            <a:r>
-              <a:rPr lang="it-IT" dirty="0" err="1"/>
-              <a:t>meant</a:t>
-            </a:r>
-            <a:r>
-              <a:rPr lang="it-IT" dirty="0"/>
-              <a:t> for the </a:t>
-            </a:r>
-            <a:r>
-              <a:rPr lang="it-IT" dirty="0" err="1"/>
-              <a:t>daily</a:t>
-            </a:r>
-            <a:r>
-              <a:rPr lang="it-IT" dirty="0"/>
-              <a:t> use of </a:t>
-            </a:r>
-            <a:r>
-              <a:rPr lang="it-IT" dirty="0" err="1"/>
-              <a:t>experts</a:t>
-            </a:r>
-            <a:r>
-              <a:rPr lang="it-IT" dirty="0"/>
-              <a:t> and </a:t>
-            </a:r>
-            <a:r>
-              <a:rPr lang="it-IT" dirty="0" err="1"/>
-              <a:t>novices</a:t>
-            </a:r>
-            <a:r>
-              <a:rPr lang="it-IT" dirty="0"/>
-              <a:t> </a:t>
-            </a:r>
-            <a:r>
-              <a:rPr lang="it-IT" dirty="0" err="1"/>
-              <a:t>alike</a:t>
-            </a:r>
-            <a:r>
-              <a:rPr lang="it-IT" dirty="0"/>
-              <a:t>.</a:t>
-            </a:r>
             <a:endParaRPr lang="en-GB" dirty="0"/>
           </a:p>
         </p:txBody>
@@ -23923,7 +23893,7 @@
         </p:blipFill>
         <p:spPr>
           <a:xfrm>
-            <a:off x="7596336" y="4597699"/>
+            <a:off x="10344472" y="4415137"/>
             <a:ext cx="1388053" cy="2130128"/>
           </a:xfrm>
           <a:prstGeom prst="rect">
@@ -25244,11 +25214,11 @@
             </a:r>
             <a:r>
               <a:rPr lang="en-GB" dirty="0"/>
-              <a:t>di </a:t>
+              <a:t>di varia natura </a:t>
             </a:r>
             <a:r>
               <a:rPr lang="en-GB" dirty="0" err="1"/>
-              <a:t>varia</a:t>
+              <a:t>sulle</a:t>
             </a:r>
             <a:r>
               <a:rPr lang="en-GB" dirty="0"/>
@@ -25256,19 +25226,27 @@
             </a:r>
             <a:r>
               <a:rPr lang="en-GB" dirty="0" err="1"/>
-              <a:t>natura</a:t>
+              <a:t>stringhe</a:t>
             </a:r>
             <a:r>
               <a:rPr lang="en-GB" dirty="0"/>
-              <a:t> </a:t>
+              <a:t> (</a:t>
             </a:r>
             <a:r>
               <a:rPr lang="en-GB" dirty="0" err="1"/>
-              <a:t>sulle</a:t>
+              <a:t>interpretandole</a:t>
             </a:r>
             <a:r>
               <a:rPr lang="en-GB" dirty="0"/>
-              <a:t> </a:t>
+              <a:t> in base ai </a:t>
+            </a:r>
+            <a:r>
+              <a:rPr lang="en-GB" dirty="0" err="1"/>
+              <a:t>casi</a:t>
+            </a:r>
+            <a:r>
+              <a:rPr lang="en-GB" dirty="0"/>
+              <a:t> come </a:t>
             </a:r>
             <a:r>
               <a:rPr lang="en-GB" dirty="0" err="1"/>
@@ -25276,40 +25254,10 @@
             </a:r>
             <a:r>
               <a:rPr lang="en-GB" dirty="0"/>
-              <a:t> (</a:t>
-            </a:r>
-            <a:r>
-              <a:rPr lang="en-GB" dirty="0" err="1"/>
-              <a:t>interpretandole</a:t>
-            </a:r>
-            <a:r>
-              <a:rPr lang="en-GB" dirty="0"/>
-              <a:t> in base </a:t>
-            </a:r>
-            <a:r>
-              <a:rPr lang="en-GB" dirty="0" err="1"/>
-              <a:t>ai</a:t>
-            </a:r>
-            <a:r>
-              <a:rPr lang="en-GB" dirty="0"/>
-              <a:t> </a:t>
-            </a:r>
-            <a:r>
-              <a:rPr lang="en-GB" dirty="0" err="1"/>
-              <a:t>casi</a:t>
-            </a:r>
-            <a:r>
-              <a:rPr lang="en-GB" dirty="0"/>
-              <a:t> come </a:t>
-            </a:r>
-            <a:r>
-              <a:rPr lang="en-GB" dirty="0" err="1"/>
-              <a:t>stringhe</a:t>
-            </a:r>
-            <a:r>
-              <a:rPr lang="en-GB" dirty="0"/>
               <a:t>, numeri, o file). </a:t>
             </a:r>
+          </a:p>
+          <a:p>
             <a:r>
               <a:rPr lang="en-GB" dirty="0">
                 <a:solidFill>

--- a/bash/slides/ppt/03 - Bash Scripting.pptx
+++ b/bash/slides/ppt/03 - Bash Scripting.pptx
@@ -252,7 +252,7 @@
             <a:fld id="{BAEB7694-8561-4BE2-948D-EDF7A201F8BB}" type="datetimeFigureOut">
               <a:rPr lang="it-IT" smtClean="0"/>
               <a:pPr/>
-              <a:t>07/02/22</a:t>
+              <a:t>14/03/22</a:t>
             </a:fld>
             <a:endParaRPr lang="it-IT"/>
           </a:p>
@@ -3636,13 +3636,7 @@
           <a:p>
             <a:r>
               <a:rPr lang="en-GB" altLang="it-IT" dirty="0"/>
-              <a:t>string1 !=string2		True if strings are not identical	</a:t>
-            </a:r>
-          </a:p>
-          <a:p>
-            <a:r>
-              <a:rPr lang="en-GB" altLang="it-IT" dirty="0"/>
-              <a:t>string			Return 0 exit status (=true) if string is not null	</a:t>
+              <a:t>string1 !=string2		True if strings are not identical		</a:t>
             </a:r>
           </a:p>
           <a:p>
@@ -3976,19 +3970,19 @@
           <a:p>
             <a:r>
               <a:rPr lang="en-GB" altLang="it-IT" dirty="0"/>
+              <a:t>-e file			Test if the file exists</a:t>
+            </a:r>
+          </a:p>
+          <a:p>
+            <a:r>
+              <a:rPr lang="en-GB" altLang="it-IT" dirty="0"/>
+              <a:t>-f file			Test if file is a normal file</a:t>
+            </a:r>
+          </a:p>
+          <a:p>
+            <a:r>
+              <a:rPr lang="en-GB" altLang="it-IT" dirty="0"/>
               <a:t>-d file			Test if file is a directory</a:t>
-            </a:r>
-          </a:p>
-          <a:p>
-            <a:r>
-              <a:rPr lang="en-GB" altLang="it-IT" dirty="0"/>
-              <a:t>-f file			Test if file is not a directory</a:t>
-            </a:r>
-          </a:p>
-          <a:p>
-            <a:r>
-              <a:rPr lang="en-GB" altLang="it-IT" dirty="0"/>
-              <a:t>-s file			Test if the file has non zero length</a:t>
             </a:r>
           </a:p>
           <a:p>
@@ -4014,21 +4008,6 @@
               <a:rPr lang="en-GB" altLang="it-IT" dirty="0"/>
               <a:t>-o file			Test if the file is owned by the user</a:t>
             </a:r>
-          </a:p>
-          <a:p>
-            <a:r>
-              <a:rPr lang="en-GB" altLang="it-IT" dirty="0"/>
-              <a:t>-e file			Test if the file exists</a:t>
-            </a:r>
-          </a:p>
-          <a:p>
-            <a:r>
-              <a:rPr lang="en-GB" altLang="it-IT" dirty="0"/>
-              <a:t>-z file			Test if the file has zero length</a:t>
-            </a:r>
-          </a:p>
-          <a:p>
-            <a:endParaRPr lang="en-GB" altLang="it-IT" dirty="0"/>
           </a:p>
         </p:txBody>
       </p:sp>

--- a/bash/slides/ppt/03 - Bash Scripting.pptx
+++ b/bash/slides/ppt/03 - Bash Scripting.pptx
@@ -252,7 +252,7 @@
             <a:fld id="{BAEB7694-8561-4BE2-948D-EDF7A201F8BB}" type="datetimeFigureOut">
               <a:rPr lang="it-IT" smtClean="0"/>
               <a:pPr/>
-              <a:t>14/03/22</a:t>
+              <a:t>17/03/22</a:t>
             </a:fld>
             <a:endParaRPr lang="it-IT"/>
           </a:p>
